--- a/3.reUnity/Ge1_1_Transform.pptx
+++ b/3.reUnity/Ge1_1_Transform.pptx
@@ -269,7 +269,7 @@
           <a:p>
             <a:fld id="{C9C3C1B3-0E61-4942-A09A-02F2EAE54150}" type="datetimeFigureOut">
               <a:rPr kumimoji="1" lang="ja-JP" altLang="en-US" smtClean="0"/>
-              <a:t>2023/8/31</a:t>
+              <a:t>2024/7/11</a:t>
             </a:fld>
             <a:endParaRPr kumimoji="1" lang="ja-JP" altLang="en-US"/>
           </a:p>
@@ -715,7 +715,7 @@
           <a:p>
             <a:fld id="{691E08CE-871E-42A1-882B-8194E9FA60B7}" type="datetimeFigureOut">
               <a:rPr kumimoji="1" lang="ja-JP" altLang="en-US" smtClean="0"/>
-              <a:t>2023/8/31</a:t>
+              <a:t>2024/7/11</a:t>
             </a:fld>
             <a:endParaRPr kumimoji="1" lang="ja-JP" altLang="en-US"/>
           </a:p>
@@ -945,7 +945,7 @@
           <a:p>
             <a:fld id="{691E08CE-871E-42A1-882B-8194E9FA60B7}" type="datetimeFigureOut">
               <a:rPr kumimoji="1" lang="ja-JP" altLang="en-US" smtClean="0"/>
-              <a:t>2023/8/31</a:t>
+              <a:t>2024/7/11</a:t>
             </a:fld>
             <a:endParaRPr kumimoji="1" lang="ja-JP" altLang="en-US"/>
           </a:p>
@@ -1185,7 +1185,7 @@
           <a:p>
             <a:fld id="{691E08CE-871E-42A1-882B-8194E9FA60B7}" type="datetimeFigureOut">
               <a:rPr kumimoji="1" lang="ja-JP" altLang="en-US" smtClean="0"/>
-              <a:t>2023/8/31</a:t>
+              <a:t>2024/7/11</a:t>
             </a:fld>
             <a:endParaRPr kumimoji="1" lang="ja-JP" altLang="en-US"/>
           </a:p>
@@ -1415,7 +1415,7 @@
           <a:p>
             <a:fld id="{691E08CE-871E-42A1-882B-8194E9FA60B7}" type="datetimeFigureOut">
               <a:rPr kumimoji="1" lang="ja-JP" altLang="en-US" smtClean="0"/>
-              <a:t>2023/8/31</a:t>
+              <a:t>2024/7/11</a:t>
             </a:fld>
             <a:endParaRPr kumimoji="1" lang="ja-JP" altLang="en-US"/>
           </a:p>
@@ -1690,7 +1690,7 @@
           <a:p>
             <a:fld id="{691E08CE-871E-42A1-882B-8194E9FA60B7}" type="datetimeFigureOut">
               <a:rPr kumimoji="1" lang="ja-JP" altLang="en-US" smtClean="0"/>
-              <a:t>2023/8/31</a:t>
+              <a:t>2024/7/11</a:t>
             </a:fld>
             <a:endParaRPr kumimoji="1" lang="ja-JP" altLang="en-US"/>
           </a:p>
@@ -2019,7 +2019,7 @@
           <a:p>
             <a:fld id="{691E08CE-871E-42A1-882B-8194E9FA60B7}" type="datetimeFigureOut">
               <a:rPr kumimoji="1" lang="ja-JP" altLang="en-US" smtClean="0"/>
-              <a:t>2023/8/31</a:t>
+              <a:t>2024/7/11</a:t>
             </a:fld>
             <a:endParaRPr kumimoji="1" lang="ja-JP" altLang="en-US"/>
           </a:p>
@@ -2495,7 +2495,7 @@
           <a:p>
             <a:fld id="{691E08CE-871E-42A1-882B-8194E9FA60B7}" type="datetimeFigureOut">
               <a:rPr kumimoji="1" lang="ja-JP" altLang="en-US" smtClean="0"/>
-              <a:t>2023/8/31</a:t>
+              <a:t>2024/7/11</a:t>
             </a:fld>
             <a:endParaRPr kumimoji="1" lang="ja-JP" altLang="en-US"/>
           </a:p>
@@ -2636,7 +2636,7 @@
           <a:p>
             <a:fld id="{691E08CE-871E-42A1-882B-8194E9FA60B7}" type="datetimeFigureOut">
               <a:rPr kumimoji="1" lang="ja-JP" altLang="en-US" smtClean="0"/>
-              <a:t>2023/8/31</a:t>
+              <a:t>2024/7/11</a:t>
             </a:fld>
             <a:endParaRPr kumimoji="1" lang="ja-JP" altLang="en-US"/>
           </a:p>
@@ -2749,7 +2749,7 @@
           <a:p>
             <a:fld id="{691E08CE-871E-42A1-882B-8194E9FA60B7}" type="datetimeFigureOut">
               <a:rPr kumimoji="1" lang="ja-JP" altLang="en-US" smtClean="0"/>
-              <a:t>2023/8/31</a:t>
+              <a:t>2024/7/11</a:t>
             </a:fld>
             <a:endParaRPr kumimoji="1" lang="ja-JP" altLang="en-US"/>
           </a:p>
@@ -3092,7 +3092,7 @@
           <a:p>
             <a:fld id="{691E08CE-871E-42A1-882B-8194E9FA60B7}" type="datetimeFigureOut">
               <a:rPr kumimoji="1" lang="ja-JP" altLang="en-US" smtClean="0"/>
-              <a:t>2023/8/31</a:t>
+              <a:t>2024/7/11</a:t>
             </a:fld>
             <a:endParaRPr kumimoji="1" lang="ja-JP" altLang="en-US"/>
           </a:p>
@@ -3380,7 +3380,7 @@
           <a:p>
             <a:fld id="{691E08CE-871E-42A1-882B-8194E9FA60B7}" type="datetimeFigureOut">
               <a:rPr kumimoji="1" lang="ja-JP" altLang="en-US" smtClean="0"/>
-              <a:t>2023/8/31</a:t>
+              <a:t>2024/7/11</a:t>
             </a:fld>
             <a:endParaRPr kumimoji="1" lang="ja-JP" altLang="en-US"/>
           </a:p>
@@ -3653,7 +3653,7 @@
           <a:p>
             <a:fld id="{691E08CE-871E-42A1-882B-8194E9FA60B7}" type="datetimeFigureOut">
               <a:rPr kumimoji="1" lang="ja-JP" altLang="en-US" smtClean="0"/>
-              <a:t>2023/8/31</a:t>
+              <a:t>2024/7/11</a:t>
             </a:fld>
             <a:endParaRPr kumimoji="1" lang="ja-JP" altLang="en-US"/>
           </a:p>
@@ -11814,7 +11814,7 @@
         <p:spPr>
           <a:xfrm>
             <a:off x="1887935" y="967423"/>
-            <a:ext cx="8622873" cy="954107"/>
+            <a:ext cx="7354899" cy="954107"/>
           </a:xfrm>
           <a:prstGeom prst="rect">
             <a:avLst/>
@@ -11841,20 +11841,12 @@
           <a:lstStyle/>
           <a:p>
             <a:r>
-              <a:rPr kumimoji="1" lang="ja-JP" altLang="en-US" sz="2800" dirty="0"/>
-              <a:t>仕様書</a:t>
-            </a:r>
-            <a:r>
-              <a:rPr kumimoji="1" lang="en-US" altLang="ja-JP" sz="2800" dirty="0"/>
-              <a:t>(teams</a:t>
-            </a:r>
-            <a:r>
-              <a:rPr kumimoji="1" lang="ja-JP" altLang="en-US" sz="2800" dirty="0"/>
+              <a:rPr lang="en-US" altLang="ja-JP" sz="2800" dirty="0" err="1"/>
+              <a:t>Github</a:t>
+            </a:r>
+            <a:r>
+              <a:rPr lang="ja-JP" altLang="en-US" sz="2800" dirty="0"/>
               <a:t>上</a:t>
-            </a:r>
-            <a:r>
-              <a:rPr kumimoji="1" lang="en-US" altLang="ja-JP" sz="2800" dirty="0"/>
-              <a:t>)</a:t>
             </a:r>
             <a:r>
               <a:rPr kumimoji="1" lang="ja-JP" altLang="en-US" sz="2800" dirty="0"/>
@@ -11876,7 +11868,7 @@
           <a:p>
             <a:pPr algn="ctr"/>
             <a:r>
-              <a:rPr lang="en-US" altLang="ja-JP" sz="2800"/>
+              <a:rPr lang="en-US" altLang="ja-JP" sz="2800" dirty="0"/>
               <a:t>(Cookie1)</a:t>
             </a:r>
             <a:endParaRPr kumimoji="1" lang="ja-JP" altLang="en-US" dirty="0"/>

--- a/3.reUnity/Ge1_1_Transform.pptx
+++ b/3.reUnity/Ge1_1_Transform.pptx
@@ -11857,7 +11857,7 @@
               <a:t>_</a:t>
             </a:r>
             <a:r>
-              <a:rPr kumimoji="1" lang="ja-JP" altLang="en-US" sz="2800" dirty="0"/>
+              <a:rPr kumimoji="1" lang="ja-JP" altLang="en-US" sz="2800"/>
               <a:t>ゲームエンジン</a:t>
             </a:r>
             <a:r>
